--- a/img/price.pptx
+++ b/img/price.pptx
@@ -197,7 +197,7 @@
           <a:p>
             <a:fld id="{17A9F006-9F6A-484C-82F1-A0E5D1F8AEE4}" type="datetimeFigureOut">
               <a:rPr lang="en-US" smtClean="0"/>
-              <a:t>3/28/21</a:t>
+              <a:t>3/29/21</a:t>
             </a:fld>
             <a:endParaRPr lang="en-US"/>
           </a:p>
@@ -684,7 +684,7 @@
           <a:p>
             <a:fld id="{CA01C75A-B04C-0241-A31E-5DFBF6192799}" type="datetimeFigureOut">
               <a:rPr lang="en-US" smtClean="0"/>
-              <a:t>3/28/21</a:t>
+              <a:t>3/29/21</a:t>
             </a:fld>
             <a:endParaRPr lang="en-US"/>
           </a:p>
@@ -854,7 +854,7 @@
           <a:p>
             <a:fld id="{CA01C75A-B04C-0241-A31E-5DFBF6192799}" type="datetimeFigureOut">
               <a:rPr lang="en-US" smtClean="0"/>
-              <a:t>3/28/21</a:t>
+              <a:t>3/29/21</a:t>
             </a:fld>
             <a:endParaRPr lang="en-US"/>
           </a:p>
@@ -1034,7 +1034,7 @@
           <a:p>
             <a:fld id="{CA01C75A-B04C-0241-A31E-5DFBF6192799}" type="datetimeFigureOut">
               <a:rPr lang="en-US" smtClean="0"/>
-              <a:t>3/28/21</a:t>
+              <a:t>3/29/21</a:t>
             </a:fld>
             <a:endParaRPr lang="en-US"/>
           </a:p>
@@ -1204,7 +1204,7 @@
           <a:p>
             <a:fld id="{CA01C75A-B04C-0241-A31E-5DFBF6192799}" type="datetimeFigureOut">
               <a:rPr lang="en-US" smtClean="0"/>
-              <a:t>3/28/21</a:t>
+              <a:t>3/29/21</a:t>
             </a:fld>
             <a:endParaRPr lang="en-US"/>
           </a:p>
@@ -1448,7 +1448,7 @@
           <a:p>
             <a:fld id="{CA01C75A-B04C-0241-A31E-5DFBF6192799}" type="datetimeFigureOut">
               <a:rPr lang="en-US" smtClean="0"/>
-              <a:t>3/28/21</a:t>
+              <a:t>3/29/21</a:t>
             </a:fld>
             <a:endParaRPr lang="en-US"/>
           </a:p>
@@ -1680,7 +1680,7 @@
           <a:p>
             <a:fld id="{CA01C75A-B04C-0241-A31E-5DFBF6192799}" type="datetimeFigureOut">
               <a:rPr lang="en-US" smtClean="0"/>
-              <a:t>3/28/21</a:t>
+              <a:t>3/29/21</a:t>
             </a:fld>
             <a:endParaRPr lang="en-US"/>
           </a:p>
@@ -2047,7 +2047,7 @@
           <a:p>
             <a:fld id="{CA01C75A-B04C-0241-A31E-5DFBF6192799}" type="datetimeFigureOut">
               <a:rPr lang="en-US" smtClean="0"/>
-              <a:t>3/28/21</a:t>
+              <a:t>3/29/21</a:t>
             </a:fld>
             <a:endParaRPr lang="en-US"/>
           </a:p>
@@ -2165,7 +2165,7 @@
           <a:p>
             <a:fld id="{CA01C75A-B04C-0241-A31E-5DFBF6192799}" type="datetimeFigureOut">
               <a:rPr lang="en-US" smtClean="0"/>
-              <a:t>3/28/21</a:t>
+              <a:t>3/29/21</a:t>
             </a:fld>
             <a:endParaRPr lang="en-US"/>
           </a:p>
@@ -2260,7 +2260,7 @@
           <a:p>
             <a:fld id="{CA01C75A-B04C-0241-A31E-5DFBF6192799}" type="datetimeFigureOut">
               <a:rPr lang="en-US" smtClean="0"/>
-              <a:t>3/28/21</a:t>
+              <a:t>3/29/21</a:t>
             </a:fld>
             <a:endParaRPr lang="en-US"/>
           </a:p>
@@ -2537,7 +2537,7 @@
           <a:p>
             <a:fld id="{CA01C75A-B04C-0241-A31E-5DFBF6192799}" type="datetimeFigureOut">
               <a:rPr lang="en-US" smtClean="0"/>
-              <a:t>3/28/21</a:t>
+              <a:t>3/29/21</a:t>
             </a:fld>
             <a:endParaRPr lang="en-US"/>
           </a:p>
@@ -2794,7 +2794,7 @@
           <a:p>
             <a:fld id="{CA01C75A-B04C-0241-A31E-5DFBF6192799}" type="datetimeFigureOut">
               <a:rPr lang="en-US" smtClean="0"/>
-              <a:t>3/28/21</a:t>
+              <a:t>3/29/21</a:t>
             </a:fld>
             <a:endParaRPr lang="en-US"/>
           </a:p>
@@ -3007,7 +3007,7 @@
           <a:p>
             <a:fld id="{CA01C75A-B04C-0241-A31E-5DFBF6192799}" type="datetimeFigureOut">
               <a:rPr lang="en-US" smtClean="0"/>
-              <a:t>3/28/21</a:t>
+              <a:t>3/29/21</a:t>
             </a:fld>
             <a:endParaRPr lang="en-US"/>
           </a:p>
@@ -4513,7 +4513,7 @@
           <p:nvPr>
             <p:extLst>
               <p:ext uri="{D42A27DB-BD31-4B8C-83A1-F6EECF244321}">
-                <p14:modId xmlns:p14="http://schemas.microsoft.com/office/powerpoint/2010/main" val="3886413009"/>
+                <p14:modId xmlns:p14="http://schemas.microsoft.com/office/powerpoint/2010/main" val="3849851062"/>
               </p:ext>
             </p:extLst>
           </p:nvPr>

--- a/img/price.pptx
+++ b/img/price.pptx
@@ -7766,7 +7766,7 @@
         </p:nvSpPr>
         <p:spPr>
           <a:xfrm>
-            <a:off x="298111" y="23648555"/>
+            <a:off x="298111" y="23696055"/>
             <a:ext cx="8473440" cy="646331"/>
           </a:xfrm>
           <a:prstGeom prst="rect">
@@ -7812,14 +7812,14 @@
           <p:nvPr>
             <p:extLst>
               <p:ext uri="{D42A27DB-BD31-4B8C-83A1-F6EECF244321}">
-                <p14:modId xmlns:p14="http://schemas.microsoft.com/office/powerpoint/2010/main" val="2180753699"/>
+                <p14:modId xmlns:p14="http://schemas.microsoft.com/office/powerpoint/2010/main" val="3777089197"/>
               </p:ext>
             </p:extLst>
           </p:nvPr>
         </p:nvGraphicFramePr>
         <p:xfrm>
-          <a:off x="-10564" y="24434972"/>
-          <a:ext cx="9111912" cy="2423160"/>
+          <a:off x="-10564" y="26963315"/>
+          <a:ext cx="9111912" cy="2392680"/>
         </p:xfrm>
         <a:graphic>
           <a:graphicData uri="http://schemas.openxmlformats.org/drawingml/2006/table">
@@ -7898,9 +7898,18 @@
                         <a:defRPr/>
                       </a:pPr>
                       <a:r>
-                        <a:rPr lang="en-US" altLang="ko-KR" sz="2200" dirty="0"/>
-                        <a:t>1:1</a:t>
-                      </a:r>
+                        <a:rPr lang="en-US" altLang="ko-KR" sz="2000" dirty="0"/>
+                        <a:t>(3~4</a:t>
+                      </a:r>
+                      <a:r>
+                        <a:rPr lang="ko-KR" altLang="en-US" sz="2000" dirty="0"/>
+                        <a:t>인</a:t>
+                      </a:r>
+                      <a:r>
+                        <a:rPr lang="en-US" altLang="ko-KR" sz="2000" dirty="0"/>
+                        <a:t>)</a:t>
+                      </a:r>
+                      <a:endParaRPr lang="en-US" altLang="ko-KR" sz="2200" dirty="0"/>
                     </a:p>
                   </a:txBody>
                   <a:tcPr marL="121920" marR="121920" marT="60960" marB="60960"/>
@@ -7952,9 +7961,10 @@
                         <a:defRPr/>
                       </a:pPr>
                       <a:r>
-                        <a:rPr lang="en-US" altLang="ko-KR" sz="2200" dirty="0"/>
+                        <a:rPr lang="en-US" altLang="ko-KR" sz="2000" dirty="0"/>
                         <a:t>2:1</a:t>
                       </a:r>
+                      <a:endParaRPr lang="en-US" altLang="ko-KR" sz="2200" dirty="0"/>
                     </a:p>
                   </a:txBody>
                   <a:tcPr marL="121920" marR="121920" marT="60960" marB="60960"/>
@@ -8006,17 +8016,10 @@
                         <a:defRPr/>
                       </a:pPr>
                       <a:r>
-                        <a:rPr lang="en-US" altLang="ko-KR" sz="2200" dirty="0"/>
-                        <a:t>(3~4</a:t>
-                      </a:r>
-                      <a:r>
-                        <a:rPr lang="ko-KR" altLang="en-US" sz="2200" dirty="0"/>
-                        <a:t>인</a:t>
-                      </a:r>
-                      <a:r>
-                        <a:rPr lang="en-US" altLang="ko-KR" sz="2200" dirty="0"/>
-                        <a:t>)</a:t>
-                      </a:r>
+                        <a:rPr lang="en-US" altLang="ko-KR" sz="2000" dirty="0"/>
+                        <a:t>1:1</a:t>
+                      </a:r>
+                      <a:endParaRPr lang="en-US" altLang="ko-KR" sz="2200" dirty="0"/>
                     </a:p>
                   </a:txBody>
                   <a:tcPr marL="121920" marR="121920" marT="60960" marB="60960"/>
@@ -8036,7 +8039,7 @@
                       <a:pPr algn="ctr"/>
                       <a:r>
                         <a:rPr lang="en-US" altLang="ko-KR" sz="2100" dirty="0"/>
-                        <a:t>20</a:t>
+                        <a:t>10</a:t>
                       </a:r>
                       <a:r>
                         <a:rPr lang="ko-KR" altLang="en-US" sz="2100" dirty="0"/>
@@ -8074,7 +8077,7 @@
                       <a:pPr algn="ctr"/>
                       <a:r>
                         <a:rPr lang="en-US" altLang="ko-KR" sz="2100" dirty="0"/>
-                        <a:t>10</a:t>
+                        <a:t>20</a:t>
                       </a:r>
                       <a:r>
                         <a:rPr lang="ko-KR" altLang="en-US" sz="2100" dirty="0"/>
@@ -8479,14 +8482,14 @@
           <p:nvPr>
             <p:extLst>
               <p:ext uri="{D42A27DB-BD31-4B8C-83A1-F6EECF244321}">
-                <p14:modId xmlns:p14="http://schemas.microsoft.com/office/powerpoint/2010/main" val="1908711533"/>
+                <p14:modId xmlns:p14="http://schemas.microsoft.com/office/powerpoint/2010/main" val="2428015181"/>
               </p:ext>
             </p:extLst>
           </p:nvPr>
         </p:nvGraphicFramePr>
         <p:xfrm>
-          <a:off x="-10564" y="26978880"/>
-          <a:ext cx="9111912" cy="2423160"/>
+          <a:off x="-10564" y="24343499"/>
+          <a:ext cx="9111912" cy="2392680"/>
         </p:xfrm>
         <a:graphic>
           <a:graphicData uri="http://schemas.openxmlformats.org/drawingml/2006/table">
@@ -8585,22 +8588,22 @@
                         <a:defRPr/>
                       </a:pPr>
                       <a:r>
-                        <a:rPr lang="en-US" altLang="ko-KR" sz="2200" dirty="0"/>
+                        <a:rPr lang="en-US" altLang="ko-KR" sz="2000" dirty="0"/>
                         <a:t>4</a:t>
                       </a:r>
                       <a:r>
-                        <a:rPr lang="ko-KR" altLang="en-US" sz="2200" dirty="0"/>
+                        <a:rPr lang="ko-KR" altLang="en-US" sz="2000" dirty="0"/>
                         <a:t>월</a:t>
                       </a:r>
                       <a:r>
-                        <a:rPr lang="en-US" altLang="ko-KR" sz="2200" dirty="0"/>
+                        <a:rPr lang="en-US" altLang="ko-KR" sz="2000" dirty="0"/>
                         <a:t>~11</a:t>
                       </a:r>
                       <a:r>
-                        <a:rPr lang="ko-KR" altLang="en-US" sz="2200" dirty="0"/>
+                        <a:rPr lang="ko-KR" altLang="en-US" sz="2000" dirty="0"/>
                         <a:t>월</a:t>
                       </a:r>
-                      <a:endParaRPr lang="en-US" altLang="ko-KR" sz="2200" dirty="0"/>
+                      <a:endParaRPr lang="en-US" altLang="ko-KR" sz="2000" dirty="0"/>
                     </a:p>
                   </a:txBody>
                   <a:tcPr marL="121920" marR="121920" marT="60960" marB="60960"/>
@@ -8679,23 +8682,23 @@
                         <a:defRPr/>
                       </a:pPr>
                       <a:r>
-                        <a:rPr lang="en-US" altLang="ko-KR" sz="2200" dirty="0"/>
+                        <a:rPr lang="en-US" altLang="ko-KR" sz="2000" dirty="0"/>
                         <a:t>12</a:t>
                       </a:r>
                       <a:r>
-                        <a:rPr lang="ko-KR" altLang="en-US" sz="2200" dirty="0"/>
+                        <a:rPr lang="ko-KR" altLang="en-US" sz="2000" dirty="0"/>
                         <a:t>월</a:t>
                       </a:r>
                       <a:r>
-                        <a:rPr lang="en-US" altLang="ko-KR" sz="2200" dirty="0"/>
+                        <a:rPr lang="en-US" altLang="ko-KR" sz="2000" dirty="0"/>
                         <a:t>~3</a:t>
                       </a:r>
                       <a:r>
-                        <a:rPr lang="ko-KR" altLang="en-US" sz="2200" dirty="0"/>
+                        <a:rPr lang="ko-KR" altLang="en-US" sz="2000" dirty="0"/>
                         <a:t>월 </a:t>
                       </a:r>
                       <a:r>
-                        <a:rPr lang="ko-KR" altLang="en-US" sz="2200" dirty="0" err="1"/>
+                        <a:rPr lang="ko-KR" altLang="en-US" sz="2000" dirty="0" err="1"/>
                         <a:t>겨울서핑</a:t>
                       </a:r>
                       <a:endParaRPr lang="en-US" altLang="ko-KR" sz="2200" dirty="0"/>
@@ -11975,7 +11978,7 @@
         </p:nvSpPr>
         <p:spPr>
           <a:xfrm>
-            <a:off x="7490009" y="29415838"/>
+            <a:off x="7490009" y="29403963"/>
             <a:ext cx="1621534" cy="461665"/>
           </a:xfrm>
           <a:prstGeom prst="rect">

--- a/img/price.pptx
+++ b/img/price.pptx
@@ -197,7 +197,7 @@
           <a:p>
             <a:fld id="{17A9F006-9F6A-484C-82F1-A0E5D1F8AEE4}" type="datetimeFigureOut">
               <a:rPr lang="en-US" smtClean="0"/>
-              <a:t>3/29/21</a:t>
+              <a:t>4/6/21</a:t>
             </a:fld>
             <a:endParaRPr lang="en-US"/>
           </a:p>
@@ -684,7 +684,7 @@
           <a:p>
             <a:fld id="{CA01C75A-B04C-0241-A31E-5DFBF6192799}" type="datetimeFigureOut">
               <a:rPr lang="en-US" smtClean="0"/>
-              <a:t>3/29/21</a:t>
+              <a:t>4/6/21</a:t>
             </a:fld>
             <a:endParaRPr lang="en-US"/>
           </a:p>
@@ -854,7 +854,7 @@
           <a:p>
             <a:fld id="{CA01C75A-B04C-0241-A31E-5DFBF6192799}" type="datetimeFigureOut">
               <a:rPr lang="en-US" smtClean="0"/>
-              <a:t>3/29/21</a:t>
+              <a:t>4/6/21</a:t>
             </a:fld>
             <a:endParaRPr lang="en-US"/>
           </a:p>
@@ -1034,7 +1034,7 @@
           <a:p>
             <a:fld id="{CA01C75A-B04C-0241-A31E-5DFBF6192799}" type="datetimeFigureOut">
               <a:rPr lang="en-US" smtClean="0"/>
-              <a:t>3/29/21</a:t>
+              <a:t>4/6/21</a:t>
             </a:fld>
             <a:endParaRPr lang="en-US"/>
           </a:p>
@@ -1204,7 +1204,7 @@
           <a:p>
             <a:fld id="{CA01C75A-B04C-0241-A31E-5DFBF6192799}" type="datetimeFigureOut">
               <a:rPr lang="en-US" smtClean="0"/>
-              <a:t>3/29/21</a:t>
+              <a:t>4/6/21</a:t>
             </a:fld>
             <a:endParaRPr lang="en-US"/>
           </a:p>
@@ -1448,7 +1448,7 @@
           <a:p>
             <a:fld id="{CA01C75A-B04C-0241-A31E-5DFBF6192799}" type="datetimeFigureOut">
               <a:rPr lang="en-US" smtClean="0"/>
-              <a:t>3/29/21</a:t>
+              <a:t>4/6/21</a:t>
             </a:fld>
             <a:endParaRPr lang="en-US"/>
           </a:p>
@@ -1680,7 +1680,7 @@
           <a:p>
             <a:fld id="{CA01C75A-B04C-0241-A31E-5DFBF6192799}" type="datetimeFigureOut">
               <a:rPr lang="en-US" smtClean="0"/>
-              <a:t>3/29/21</a:t>
+              <a:t>4/6/21</a:t>
             </a:fld>
             <a:endParaRPr lang="en-US"/>
           </a:p>
@@ -2047,7 +2047,7 @@
           <a:p>
             <a:fld id="{CA01C75A-B04C-0241-A31E-5DFBF6192799}" type="datetimeFigureOut">
               <a:rPr lang="en-US" smtClean="0"/>
-              <a:t>3/29/21</a:t>
+              <a:t>4/6/21</a:t>
             </a:fld>
             <a:endParaRPr lang="en-US"/>
           </a:p>
@@ -2165,7 +2165,7 @@
           <a:p>
             <a:fld id="{CA01C75A-B04C-0241-A31E-5DFBF6192799}" type="datetimeFigureOut">
               <a:rPr lang="en-US" smtClean="0"/>
-              <a:t>3/29/21</a:t>
+              <a:t>4/6/21</a:t>
             </a:fld>
             <a:endParaRPr lang="en-US"/>
           </a:p>
@@ -2260,7 +2260,7 @@
           <a:p>
             <a:fld id="{CA01C75A-B04C-0241-A31E-5DFBF6192799}" type="datetimeFigureOut">
               <a:rPr lang="en-US" smtClean="0"/>
-              <a:t>3/29/21</a:t>
+              <a:t>4/6/21</a:t>
             </a:fld>
             <a:endParaRPr lang="en-US"/>
           </a:p>
@@ -2537,7 +2537,7 @@
           <a:p>
             <a:fld id="{CA01C75A-B04C-0241-A31E-5DFBF6192799}" type="datetimeFigureOut">
               <a:rPr lang="en-US" smtClean="0"/>
-              <a:t>3/29/21</a:t>
+              <a:t>4/6/21</a:t>
             </a:fld>
             <a:endParaRPr lang="en-US"/>
           </a:p>
@@ -2794,7 +2794,7 @@
           <a:p>
             <a:fld id="{CA01C75A-B04C-0241-A31E-5DFBF6192799}" type="datetimeFigureOut">
               <a:rPr lang="en-US" smtClean="0"/>
-              <a:t>3/29/21</a:t>
+              <a:t>4/6/21</a:t>
             </a:fld>
             <a:endParaRPr lang="en-US"/>
           </a:p>
@@ -3007,7 +3007,7 @@
           <a:p>
             <a:fld id="{CA01C75A-B04C-0241-A31E-5DFBF6192799}" type="datetimeFigureOut">
               <a:rPr lang="en-US" smtClean="0"/>
-              <a:t>3/29/21</a:t>
+              <a:t>4/6/21</a:t>
             </a:fld>
             <a:endParaRPr lang="en-US"/>
           </a:p>
@@ -3484,7 +3484,7 @@
           <p:nvPr>
             <p:extLst>
               <p:ext uri="{D42A27DB-BD31-4B8C-83A1-F6EECF244321}">
-                <p14:modId xmlns:p14="http://schemas.microsoft.com/office/powerpoint/2010/main" val="2604845775"/>
+                <p14:modId xmlns:p14="http://schemas.microsoft.com/office/powerpoint/2010/main" val="602345253"/>
               </p:ext>
             </p:extLst>
           </p:nvPr>
@@ -3690,7 +3690,79 @@
                     <a:bodyPr/>
                     <a:lstStyle/>
                     <a:p>
-                      <a:pPr algn="ctr"/>
+                      <a:pPr marL="0" marR="0" lvl="0" indent="0" algn="ctr" defTabSz="914400" rtl="0" eaLnBrk="1" fontAlgn="auto" latinLnBrk="0" hangingPunct="1">
+                        <a:lnSpc>
+                          <a:spcPct val="100000"/>
+                        </a:lnSpc>
+                        <a:spcBef>
+                          <a:spcPts val="0"/>
+                        </a:spcBef>
+                        <a:spcAft>
+                          <a:spcPts val="0"/>
+                        </a:spcAft>
+                        <a:buClrTx/>
+                        <a:buSzTx/>
+                        <a:buFontTx/>
+                        <a:buNone/>
+                        <a:tabLst/>
+                        <a:defRPr/>
+                      </a:pPr>
+                      <a:r>
+                        <a:rPr lang="ko-KR" altLang="en-US" sz="1800" dirty="0"/>
+                        <a:t>숙박</a:t>
+                      </a:r>
+                      <a:r>
+                        <a:rPr lang="en-US" altLang="ko-KR" sz="1800" dirty="0"/>
+                        <a:t>60</a:t>
+                      </a:r>
+                      <a:r>
+                        <a:rPr lang="ko-KR" altLang="en-US" sz="1800" dirty="0"/>
+                        <a:t>만원 </a:t>
+                      </a:r>
+                      <a:r>
+                        <a:rPr lang="en-US" altLang="ko-KR" sz="1800" dirty="0"/>
+                        <a:t>+</a:t>
+                      </a:r>
+                      <a:r>
+                        <a:rPr lang="ko-KR" altLang="en-US" sz="1800" dirty="0"/>
+                        <a:t> 보관 또는 </a:t>
+                      </a:r>
+                      <a:r>
+                        <a:rPr lang="ko-KR" altLang="en-US" sz="1800" dirty="0" err="1"/>
+                        <a:t>랜탈</a:t>
+                      </a:r>
+                      <a:r>
+                        <a:rPr lang="ko-KR" altLang="en-US" sz="1800" dirty="0"/>
+                        <a:t> </a:t>
+                      </a:r>
+                      <a:r>
+                        <a:rPr lang="en-US" altLang="ko-KR" sz="1800" dirty="0"/>
+                        <a:t>50</a:t>
+                      </a:r>
+                      <a:r>
+                        <a:rPr lang="ko-KR" altLang="en-US" sz="1800" dirty="0"/>
+                        <a:t>만원</a:t>
+                      </a:r>
+                      <a:endParaRPr lang="en-US" altLang="ko-KR" sz="1800" dirty="0"/>
+                    </a:p>
+                    <a:p>
+                      <a:pPr marL="0" marR="0" lvl="0" indent="0" algn="ctr" defTabSz="914400" rtl="0" eaLnBrk="1" fontAlgn="auto" latinLnBrk="0" hangingPunct="1">
+                        <a:lnSpc>
+                          <a:spcPct val="100000"/>
+                        </a:lnSpc>
+                        <a:spcBef>
+                          <a:spcPts val="0"/>
+                        </a:spcBef>
+                        <a:spcAft>
+                          <a:spcPts val="0"/>
+                        </a:spcAft>
+                        <a:buClrTx/>
+                        <a:buSzTx/>
+                        <a:buFontTx/>
+                        <a:buNone/>
+                        <a:tabLst/>
+                        <a:defRPr/>
+                      </a:pPr>
                       <a:r>
                         <a:rPr lang="en-US" altLang="ko-KR" sz="2100" dirty="0"/>
                         <a:t>110</a:t>
@@ -3700,46 +3772,6 @@
                         <a:t>만원 </a:t>
                       </a:r>
                       <a:endParaRPr lang="en-US" altLang="ko-KR" sz="2100" dirty="0"/>
-                    </a:p>
-                    <a:p>
-                      <a:pPr algn="ctr"/>
-                      <a:r>
-                        <a:rPr lang="ko-KR" altLang="en-US" sz="1800" dirty="0"/>
-                        <a:t>숙박</a:t>
-                      </a:r>
-                      <a:r>
-                        <a:rPr lang="en-US" altLang="ko-KR" sz="1800" dirty="0"/>
-                        <a:t>60</a:t>
-                      </a:r>
-                      <a:r>
-                        <a:rPr lang="ko-KR" altLang="en-US" sz="1800" dirty="0"/>
-                        <a:t>만원 </a:t>
-                      </a:r>
-                      <a:r>
-                        <a:rPr lang="en-US" altLang="ko-KR" sz="1800" dirty="0"/>
-                        <a:t>+</a:t>
-                      </a:r>
-                      <a:r>
-                        <a:rPr lang="ko-KR" altLang="en-US" sz="1800" dirty="0"/>
-                        <a:t> 보관 또는 </a:t>
-                      </a:r>
-                      <a:r>
-                        <a:rPr lang="ko-KR" altLang="en-US" sz="1800" dirty="0" err="1"/>
-                        <a:t>랜탈</a:t>
-                      </a:r>
-                      <a:r>
-                        <a:rPr lang="ko-KR" altLang="en-US" sz="1800" dirty="0"/>
-                        <a:t> </a:t>
-                      </a:r>
-                      <a:r>
-                        <a:rPr lang="en-US" altLang="ko-KR" sz="1800" dirty="0"/>
-                        <a:t>50</a:t>
-                      </a:r>
-                      <a:r>
-                        <a:rPr lang="ko-KR" altLang="en-US" sz="1800" dirty="0"/>
-                        <a:t>만원</a:t>
-                      </a:r>
-                      <a:endParaRPr lang="en-US" sz="2100" dirty="0"/>
                     </a:p>
                   </a:txBody>
                   <a:tcPr marL="121920" marR="121920" marT="60960" marB="60960"/>
@@ -3749,56 +3781,71 @@
                     <a:bodyPr/>
                     <a:lstStyle/>
                     <a:p>
-                      <a:pPr algn="ctr"/>
+                      <a:pPr marL="0" marR="0" lvl="0" indent="0" algn="ctr" defTabSz="914400" rtl="0" eaLnBrk="1" fontAlgn="auto" latinLnBrk="0" hangingPunct="1">
+                        <a:lnSpc>
+                          <a:spcPct val="100000"/>
+                        </a:lnSpc>
+                        <a:spcBef>
+                          <a:spcPts val="0"/>
+                        </a:spcBef>
+                        <a:spcAft>
+                          <a:spcPts val="0"/>
+                        </a:spcAft>
+                        <a:buClrTx/>
+                        <a:buSzTx/>
+                        <a:buFontTx/>
+                        <a:buNone/>
+                        <a:tabLst/>
+                        <a:defRPr/>
+                      </a:pPr>
+                      <a:r>
+                        <a:rPr lang="ko-KR" altLang="en-US" sz="1800" dirty="0" err="1"/>
+                        <a:t>지정침대</a:t>
+                      </a:r>
+                      <a:r>
+                        <a:rPr lang="en-US" altLang="ko-KR" sz="1800" dirty="0"/>
+                        <a:t>100</a:t>
+                      </a:r>
+                      <a:r>
+                        <a:rPr lang="ko-KR" altLang="en-US" sz="1800" dirty="0"/>
+                        <a:t>만원 </a:t>
+                      </a:r>
+                      <a:r>
+                        <a:rPr lang="en-US" altLang="ko-KR" sz="1800" dirty="0"/>
+                        <a:t>+</a:t>
+                      </a:r>
+                      <a:r>
+                        <a:rPr lang="ko-KR" altLang="en-US" sz="1800" dirty="0"/>
+                        <a:t> 보관 또는 </a:t>
+                      </a:r>
+                      <a:r>
+                        <a:rPr lang="ko-KR" altLang="en-US" sz="1800" dirty="0" err="1"/>
+                        <a:t>랜탈</a:t>
+                      </a:r>
+                      <a:r>
+                        <a:rPr lang="ko-KR" altLang="en-US" sz="1800" dirty="0"/>
+                        <a:t> </a:t>
+                      </a:r>
+                      <a:r>
+                        <a:rPr lang="en-US" altLang="ko-KR" sz="1800" dirty="0"/>
+                        <a:t>50</a:t>
+                      </a:r>
+                      <a:r>
+                        <a:rPr lang="ko-KR" altLang="en-US" sz="1800" dirty="0"/>
+                        <a:t>만원</a:t>
+                      </a:r>
+                      <a:br>
+                        <a:rPr lang="en-US" altLang="ko-KR" sz="1800" dirty="0"/>
+                      </a:br>
                       <a:r>
                         <a:rPr lang="en-US" altLang="ko-KR" sz="2100" dirty="0"/>
                         <a:t>150</a:t>
                       </a:r>
                       <a:r>
-                        <a:rPr lang="ko-KR" altLang="en-US" sz="2100" dirty="0"/>
+                        <a:rPr lang="ko-KR" altLang="en-US" sz="2100"/>
                         <a:t>만원</a:t>
                       </a:r>
                       <a:endParaRPr lang="en-US" altLang="ko-KR" sz="2100" dirty="0"/>
-                    </a:p>
-                    <a:p>
-                      <a:pPr algn="ctr"/>
-                      <a:r>
-                        <a:rPr lang="ko-KR" altLang="en-US" sz="1800" dirty="0" err="1"/>
-                        <a:t>지정침대</a:t>
-                      </a:r>
-                      <a:r>
-                        <a:rPr lang="en-US" altLang="ko-KR" sz="1800" dirty="0"/>
-                        <a:t>100</a:t>
-                      </a:r>
-                      <a:r>
-                        <a:rPr lang="ko-KR" altLang="en-US" sz="1800" dirty="0"/>
-                        <a:t>만원 </a:t>
-                      </a:r>
-                      <a:r>
-                        <a:rPr lang="en-US" altLang="ko-KR" sz="1800" dirty="0"/>
-                        <a:t>+</a:t>
-                      </a:r>
-                      <a:r>
-                        <a:rPr lang="ko-KR" altLang="en-US" sz="1800" dirty="0"/>
-                        <a:t> 보관 또는 </a:t>
-                      </a:r>
-                      <a:r>
-                        <a:rPr lang="ko-KR" altLang="en-US" sz="1800" dirty="0" err="1"/>
-                        <a:t>랜탈</a:t>
-                      </a:r>
-                      <a:r>
-                        <a:rPr lang="ko-KR" altLang="en-US" sz="1800" dirty="0"/>
-                        <a:t> </a:t>
-                      </a:r>
-                      <a:r>
-                        <a:rPr lang="en-US" altLang="ko-KR" sz="1800" dirty="0"/>
-                        <a:t>50</a:t>
-                      </a:r>
-                      <a:r>
-                        <a:rPr lang="ko-KR" altLang="en-US" sz="1800" dirty="0"/>
-                        <a:t>만원</a:t>
-                      </a:r>
-                      <a:endParaRPr lang="en-US" sz="2100" dirty="0"/>
                     </a:p>
                   </a:txBody>
                   <a:tcPr marL="121920" marR="121920" marT="60960" marB="60960"/>
